--- a/New.No.047/flow.pptx
+++ b/New.No.047/flow.pptx
@@ -9,6 +9,7 @@
     <p:sldId id="257" r:id="rId3"/>
     <p:sldId id="258" r:id="rId4"/>
     <p:sldId id="259" r:id="rId5"/>
+    <p:sldId id="260" r:id="rId6"/>
   </p:sldIdLst>
   <p:sldSz cx="12192000" cy="6858000"/>
   <p:notesSz cx="6858000" cy="9144000"/>
@@ -107,6 +108,11 @@
       </a:defRPr>
     </a:lvl9pPr>
   </p:defaultTextStyle>
+  <p:extLst>
+    <p:ext uri="{EFAFB233-063F-42B5-8137-9DF3F51BA10A}">
+      <p15:sldGuideLst xmlns:p15="http://schemas.microsoft.com/office/powerpoint/2012/main"/>
+    </p:ext>
+  </p:extLst>
 </p:presentation>
 </file>
 
@@ -241,7 +247,7 @@
           <a:p>
             <a:fld id="{7AD07C57-4906-45A1-AC37-E5622CBE3641}" type="datetimeFigureOut">
               <a:rPr lang="ko-KR" altLang="en-US" smtClean="0"/>
-              <a:t>2022-11-28</a:t>
+              <a:t>2022-12-05</a:t>
             </a:fld>
             <a:endParaRPr lang="ko-KR" altLang="en-US"/>
           </a:p>
@@ -411,7 +417,7 @@
           <a:p>
             <a:fld id="{7AD07C57-4906-45A1-AC37-E5622CBE3641}" type="datetimeFigureOut">
               <a:rPr lang="ko-KR" altLang="en-US" smtClean="0"/>
-              <a:t>2022-11-28</a:t>
+              <a:t>2022-12-05</a:t>
             </a:fld>
             <a:endParaRPr lang="ko-KR" altLang="en-US"/>
           </a:p>
@@ -591,7 +597,7 @@
           <a:p>
             <a:fld id="{7AD07C57-4906-45A1-AC37-E5622CBE3641}" type="datetimeFigureOut">
               <a:rPr lang="ko-KR" altLang="en-US" smtClean="0"/>
-              <a:t>2022-11-28</a:t>
+              <a:t>2022-12-05</a:t>
             </a:fld>
             <a:endParaRPr lang="ko-KR" altLang="en-US"/>
           </a:p>
@@ -761,7 +767,7 @@
           <a:p>
             <a:fld id="{7AD07C57-4906-45A1-AC37-E5622CBE3641}" type="datetimeFigureOut">
               <a:rPr lang="ko-KR" altLang="en-US" smtClean="0"/>
-              <a:t>2022-11-28</a:t>
+              <a:t>2022-12-05</a:t>
             </a:fld>
             <a:endParaRPr lang="ko-KR" altLang="en-US"/>
           </a:p>
@@ -1007,7 +1013,7 @@
           <a:p>
             <a:fld id="{7AD07C57-4906-45A1-AC37-E5622CBE3641}" type="datetimeFigureOut">
               <a:rPr lang="ko-KR" altLang="en-US" smtClean="0"/>
-              <a:t>2022-11-28</a:t>
+              <a:t>2022-12-05</a:t>
             </a:fld>
             <a:endParaRPr lang="ko-KR" altLang="en-US"/>
           </a:p>
@@ -1239,7 +1245,7 @@
           <a:p>
             <a:fld id="{7AD07C57-4906-45A1-AC37-E5622CBE3641}" type="datetimeFigureOut">
               <a:rPr lang="ko-KR" altLang="en-US" smtClean="0"/>
-              <a:t>2022-11-28</a:t>
+              <a:t>2022-12-05</a:t>
             </a:fld>
             <a:endParaRPr lang="ko-KR" altLang="en-US"/>
           </a:p>
@@ -1606,7 +1612,7 @@
           <a:p>
             <a:fld id="{7AD07C57-4906-45A1-AC37-E5622CBE3641}" type="datetimeFigureOut">
               <a:rPr lang="ko-KR" altLang="en-US" smtClean="0"/>
-              <a:t>2022-11-28</a:t>
+              <a:t>2022-12-05</a:t>
             </a:fld>
             <a:endParaRPr lang="ko-KR" altLang="en-US"/>
           </a:p>
@@ -1724,7 +1730,7 @@
           <a:p>
             <a:fld id="{7AD07C57-4906-45A1-AC37-E5622CBE3641}" type="datetimeFigureOut">
               <a:rPr lang="ko-KR" altLang="en-US" smtClean="0"/>
-              <a:t>2022-11-28</a:t>
+              <a:t>2022-12-05</a:t>
             </a:fld>
             <a:endParaRPr lang="ko-KR" altLang="en-US"/>
           </a:p>
@@ -1819,7 +1825,7 @@
           <a:p>
             <a:fld id="{7AD07C57-4906-45A1-AC37-E5622CBE3641}" type="datetimeFigureOut">
               <a:rPr lang="ko-KR" altLang="en-US" smtClean="0"/>
-              <a:t>2022-11-28</a:t>
+              <a:t>2022-12-05</a:t>
             </a:fld>
             <a:endParaRPr lang="ko-KR" altLang="en-US"/>
           </a:p>
@@ -2096,7 +2102,7 @@
           <a:p>
             <a:fld id="{7AD07C57-4906-45A1-AC37-E5622CBE3641}" type="datetimeFigureOut">
               <a:rPr lang="ko-KR" altLang="en-US" smtClean="0"/>
-              <a:t>2022-11-28</a:t>
+              <a:t>2022-12-05</a:t>
             </a:fld>
             <a:endParaRPr lang="ko-KR" altLang="en-US"/>
           </a:p>
@@ -2349,7 +2355,7 @@
           <a:p>
             <a:fld id="{7AD07C57-4906-45A1-AC37-E5622CBE3641}" type="datetimeFigureOut">
               <a:rPr lang="ko-KR" altLang="en-US" smtClean="0"/>
-              <a:t>2022-11-28</a:t>
+              <a:t>2022-12-05</a:t>
             </a:fld>
             <a:endParaRPr lang="ko-KR" altLang="en-US"/>
           </a:p>
@@ -2562,7 +2568,7 @@
           <a:p>
             <a:fld id="{7AD07C57-4906-45A1-AC37-E5622CBE3641}" type="datetimeFigureOut">
               <a:rPr lang="ko-KR" altLang="en-US" smtClean="0"/>
-              <a:t>2022-11-28</a:t>
+              <a:t>2022-12-05</a:t>
             </a:fld>
             <a:endParaRPr lang="ko-KR" altLang="en-US"/>
           </a:p>
@@ -4551,6 +4557,1002 @@
 </p:sld>
 </file>
 
+<file path=ppt/slides/slide5.xml><?xml version="1.0" encoding="utf-8"?>
+<p:sld xmlns:a="http://schemas.openxmlformats.org/drawingml/2006/main" xmlns:r="http://schemas.openxmlformats.org/officeDocument/2006/relationships" xmlns:p="http://schemas.openxmlformats.org/presentationml/2006/main">
+  <p:cSld>
+    <p:spTree>
+      <p:nvGrpSpPr>
+        <p:cNvPr id="1" name=""/>
+        <p:cNvGrpSpPr/>
+        <p:nvPr/>
+      </p:nvGrpSpPr>
+      <p:grpSpPr>
+        <a:xfrm>
+          <a:off x="0" y="0"/>
+          <a:ext cx="0" cy="0"/>
+          <a:chOff x="0" y="0"/>
+          <a:chExt cx="0" cy="0"/>
+        </a:xfrm>
+      </p:grpSpPr>
+      <p:sp>
+        <p:nvSpPr>
+          <p:cNvPr id="2" name="직사각형 1"/>
+          <p:cNvSpPr/>
+          <p:nvPr/>
+        </p:nvSpPr>
+        <p:spPr>
+          <a:xfrm>
+            <a:off x="394856" y="529936"/>
+            <a:ext cx="2774372" cy="748146"/>
+          </a:xfrm>
+          <a:prstGeom prst="rect">
+            <a:avLst/>
+          </a:prstGeom>
+        </p:spPr>
+        <p:style>
+          <a:lnRef idx="2">
+            <a:schemeClr val="accent1">
+              <a:shade val="50000"/>
+            </a:schemeClr>
+          </a:lnRef>
+          <a:fillRef idx="1">
+            <a:schemeClr val="accent1"/>
+          </a:fillRef>
+          <a:effectRef idx="0">
+            <a:schemeClr val="accent1"/>
+          </a:effectRef>
+          <a:fontRef idx="minor">
+            <a:schemeClr val="lt1"/>
+          </a:fontRef>
+        </p:style>
+        <p:txBody>
+          <a:bodyPr rtlCol="0" anchor="ctr"/>
+          <a:lstStyle/>
+          <a:p>
+            <a:pPr algn="ctr"/>
+            <a:r>
+              <a:rPr lang="ko-KR" altLang="en-US" dirty="0" smtClean="0"/>
+              <a:t>사용자가 클릭했다</a:t>
+            </a:r>
+            <a:r>
+              <a:rPr lang="en-US" altLang="ko-KR" dirty="0" smtClean="0"/>
+              <a:t>.</a:t>
+            </a:r>
+            <a:endParaRPr lang="ko-KR" altLang="en-US" dirty="0"/>
+          </a:p>
+        </p:txBody>
+      </p:sp>
+      <p:sp>
+        <p:nvSpPr>
+          <p:cNvPr id="3" name="직사각형 2"/>
+          <p:cNvSpPr/>
+          <p:nvPr/>
+        </p:nvSpPr>
+        <p:spPr>
+          <a:xfrm>
+            <a:off x="3778829" y="529936"/>
+            <a:ext cx="2774372" cy="1849582"/>
+          </a:xfrm>
+          <a:prstGeom prst="rect">
+            <a:avLst/>
+          </a:prstGeom>
+        </p:spPr>
+        <p:style>
+          <a:lnRef idx="2">
+            <a:schemeClr val="accent1">
+              <a:shade val="50000"/>
+            </a:schemeClr>
+          </a:lnRef>
+          <a:fillRef idx="1">
+            <a:schemeClr val="accent1"/>
+          </a:fillRef>
+          <a:effectRef idx="0">
+            <a:schemeClr val="accent1"/>
+          </a:effectRef>
+          <a:fontRef idx="minor">
+            <a:schemeClr val="lt1"/>
+          </a:fontRef>
+        </p:style>
+        <p:txBody>
+          <a:bodyPr rtlCol="0" anchor="t"/>
+          <a:lstStyle/>
+          <a:p>
+            <a:pPr algn="ctr"/>
+            <a:r>
+              <a:rPr lang="en-US" altLang="ko-KR" dirty="0" smtClean="0"/>
+              <a:t>Dispatch </a:t>
+            </a:r>
+            <a:r>
+              <a:rPr lang="ko-KR" altLang="en-US" dirty="0" smtClean="0"/>
+              <a:t>호출</a:t>
+            </a:r>
+            <a:endParaRPr lang="ko-KR" altLang="en-US" dirty="0"/>
+          </a:p>
+        </p:txBody>
+      </p:sp>
+      <p:sp>
+        <p:nvSpPr>
+          <p:cNvPr id="4" name="직사각형 3"/>
+          <p:cNvSpPr/>
+          <p:nvPr/>
+        </p:nvSpPr>
+        <p:spPr>
+          <a:xfrm>
+            <a:off x="4145973" y="1278082"/>
+            <a:ext cx="2047009" cy="852054"/>
+          </a:xfrm>
+          <a:prstGeom prst="rect">
+            <a:avLst/>
+          </a:prstGeom>
+        </p:spPr>
+        <p:style>
+          <a:lnRef idx="2">
+            <a:schemeClr val="accent6">
+              <a:shade val="50000"/>
+            </a:schemeClr>
+          </a:lnRef>
+          <a:fillRef idx="1">
+            <a:schemeClr val="accent6"/>
+          </a:fillRef>
+          <a:effectRef idx="0">
+            <a:schemeClr val="accent6"/>
+          </a:effectRef>
+          <a:fontRef idx="minor">
+            <a:schemeClr val="lt1"/>
+          </a:fontRef>
+        </p:style>
+        <p:txBody>
+          <a:bodyPr rtlCol="0" anchor="ctr"/>
+          <a:lstStyle/>
+          <a:p>
+            <a:pPr algn="ctr"/>
+            <a:r>
+              <a:rPr lang="en-US" altLang="ko-KR" dirty="0" smtClean="0"/>
+              <a:t>Action</a:t>
+            </a:r>
+            <a:endParaRPr lang="ko-KR" altLang="en-US" dirty="0"/>
+          </a:p>
+        </p:txBody>
+      </p:sp>
+      <p:cxnSp>
+        <p:nvCxnSpPr>
+          <p:cNvPr id="6" name="직선 화살표 연결선 5"/>
+          <p:cNvCxnSpPr>
+            <a:stCxn id="2" idx="3"/>
+            <a:endCxn id="3" idx="1"/>
+          </p:cNvCxnSpPr>
+          <p:nvPr/>
+        </p:nvCxnSpPr>
+        <p:spPr>
+          <a:xfrm>
+            <a:off x="3169228" y="904009"/>
+            <a:ext cx="609601" cy="550718"/>
+          </a:xfrm>
+          <a:prstGeom prst="straightConnector1">
+            <a:avLst/>
+          </a:prstGeom>
+          <a:ln w="57150">
+            <a:tailEnd type="triangle"/>
+          </a:ln>
+        </p:spPr>
+        <p:style>
+          <a:lnRef idx="3">
+            <a:schemeClr val="accent2"/>
+          </a:lnRef>
+          <a:fillRef idx="0">
+            <a:schemeClr val="accent2"/>
+          </a:fillRef>
+          <a:effectRef idx="2">
+            <a:schemeClr val="accent2"/>
+          </a:effectRef>
+          <a:fontRef idx="minor">
+            <a:schemeClr val="tx1"/>
+          </a:fontRef>
+        </p:style>
+      </p:cxnSp>
+      <p:sp>
+        <p:nvSpPr>
+          <p:cNvPr id="7" name="직사각형 6"/>
+          <p:cNvSpPr/>
+          <p:nvPr/>
+        </p:nvSpPr>
+        <p:spPr>
+          <a:xfrm>
+            <a:off x="6423314" y="3780919"/>
+            <a:ext cx="2774372" cy="1849582"/>
+          </a:xfrm>
+          <a:prstGeom prst="rect">
+            <a:avLst/>
+          </a:prstGeom>
+        </p:spPr>
+        <p:style>
+          <a:lnRef idx="2">
+            <a:schemeClr val="accent1">
+              <a:shade val="50000"/>
+            </a:schemeClr>
+          </a:lnRef>
+          <a:fillRef idx="1">
+            <a:schemeClr val="accent1"/>
+          </a:fillRef>
+          <a:effectRef idx="0">
+            <a:schemeClr val="accent1"/>
+          </a:effectRef>
+          <a:fontRef idx="minor">
+            <a:schemeClr val="lt1"/>
+          </a:fontRef>
+        </p:style>
+        <p:txBody>
+          <a:bodyPr rtlCol="0" anchor="t"/>
+          <a:lstStyle/>
+          <a:p>
+            <a:pPr algn="ctr"/>
+            <a:r>
+              <a:rPr lang="en-US" altLang="ko-KR" dirty="0" smtClean="0"/>
+              <a:t>Reducer </a:t>
+            </a:r>
+            <a:r>
+              <a:rPr lang="ko-KR" altLang="en-US" dirty="0" smtClean="0"/>
+              <a:t>메서드</a:t>
+            </a:r>
+            <a:endParaRPr lang="ko-KR" altLang="en-US" dirty="0"/>
+          </a:p>
+        </p:txBody>
+      </p:sp>
+      <p:sp>
+        <p:nvSpPr>
+          <p:cNvPr id="8" name="직사각형 7"/>
+          <p:cNvSpPr/>
+          <p:nvPr/>
+        </p:nvSpPr>
+        <p:spPr>
+          <a:xfrm>
+            <a:off x="6790458" y="4871963"/>
+            <a:ext cx="2047009" cy="509155"/>
+          </a:xfrm>
+          <a:prstGeom prst="rect">
+            <a:avLst/>
+          </a:prstGeom>
+        </p:spPr>
+        <p:style>
+          <a:lnRef idx="2">
+            <a:schemeClr val="accent6">
+              <a:shade val="50000"/>
+            </a:schemeClr>
+          </a:lnRef>
+          <a:fillRef idx="1">
+            <a:schemeClr val="accent6"/>
+          </a:fillRef>
+          <a:effectRef idx="0">
+            <a:schemeClr val="accent6"/>
+          </a:effectRef>
+          <a:fontRef idx="minor">
+            <a:schemeClr val="lt1"/>
+          </a:fontRef>
+        </p:style>
+        <p:txBody>
+          <a:bodyPr rtlCol="0" anchor="ctr"/>
+          <a:lstStyle/>
+          <a:p>
+            <a:pPr algn="ctr"/>
+            <a:r>
+              <a:rPr lang="en-US" altLang="ko-KR" dirty="0" smtClean="0"/>
+              <a:t>Action </a:t>
+            </a:r>
+            <a:r>
+              <a:rPr lang="ko-KR" altLang="en-US" dirty="0" smtClean="0"/>
+              <a:t>객체</a:t>
+            </a:r>
+            <a:endParaRPr lang="ko-KR" altLang="en-US" dirty="0"/>
+          </a:p>
+        </p:txBody>
+      </p:sp>
+      <p:sp>
+        <p:nvSpPr>
+          <p:cNvPr id="9" name="직사각형 8"/>
+          <p:cNvSpPr/>
+          <p:nvPr/>
+        </p:nvSpPr>
+        <p:spPr>
+          <a:xfrm>
+            <a:off x="6786995" y="4243313"/>
+            <a:ext cx="2047009" cy="509155"/>
+          </a:xfrm>
+          <a:prstGeom prst="rect">
+            <a:avLst/>
+          </a:prstGeom>
+        </p:spPr>
+        <p:style>
+          <a:lnRef idx="2">
+            <a:schemeClr val="accent6">
+              <a:shade val="50000"/>
+            </a:schemeClr>
+          </a:lnRef>
+          <a:fillRef idx="1">
+            <a:schemeClr val="accent6"/>
+          </a:fillRef>
+          <a:effectRef idx="0">
+            <a:schemeClr val="accent6"/>
+          </a:effectRef>
+          <a:fontRef idx="minor">
+            <a:schemeClr val="lt1"/>
+          </a:fontRef>
+        </p:style>
+        <p:txBody>
+          <a:bodyPr rtlCol="0" anchor="ctr"/>
+          <a:lstStyle/>
+          <a:p>
+            <a:pPr algn="ctr"/>
+            <a:r>
+              <a:rPr lang="en-US" altLang="ko-KR" dirty="0" smtClean="0"/>
+              <a:t>State </a:t>
+            </a:r>
+            <a:r>
+              <a:rPr lang="ko-KR" altLang="en-US" dirty="0" smtClean="0"/>
+              <a:t>객체</a:t>
+            </a:r>
+            <a:endParaRPr lang="ko-KR" altLang="en-US" dirty="0"/>
+          </a:p>
+        </p:txBody>
+      </p:sp>
+      <p:sp>
+        <p:nvSpPr>
+          <p:cNvPr id="13" name="직사각형 12"/>
+          <p:cNvSpPr/>
+          <p:nvPr/>
+        </p:nvSpPr>
+        <p:spPr>
+          <a:xfrm>
+            <a:off x="7443356" y="529936"/>
+            <a:ext cx="2774372" cy="1849582"/>
+          </a:xfrm>
+          <a:prstGeom prst="rect">
+            <a:avLst/>
+          </a:prstGeom>
+        </p:spPr>
+        <p:style>
+          <a:lnRef idx="2">
+            <a:schemeClr val="accent1">
+              <a:shade val="50000"/>
+            </a:schemeClr>
+          </a:lnRef>
+          <a:fillRef idx="1">
+            <a:schemeClr val="accent1"/>
+          </a:fillRef>
+          <a:effectRef idx="0">
+            <a:schemeClr val="accent1"/>
+          </a:effectRef>
+          <a:fontRef idx="minor">
+            <a:schemeClr val="lt1"/>
+          </a:fontRef>
+        </p:style>
+        <p:txBody>
+          <a:bodyPr rtlCol="0" anchor="t"/>
+          <a:lstStyle/>
+          <a:p>
+            <a:pPr algn="ctr"/>
+            <a:r>
+              <a:rPr lang="en-US" altLang="ko-KR" dirty="0" smtClean="0"/>
+              <a:t>Store</a:t>
+            </a:r>
+            <a:endParaRPr lang="ko-KR" altLang="en-US" dirty="0"/>
+          </a:p>
+        </p:txBody>
+      </p:sp>
+      <p:sp>
+        <p:nvSpPr>
+          <p:cNvPr id="14" name="직사각형 13"/>
+          <p:cNvSpPr/>
+          <p:nvPr/>
+        </p:nvSpPr>
+        <p:spPr>
+          <a:xfrm>
+            <a:off x="7810500" y="1278082"/>
+            <a:ext cx="2047009" cy="852054"/>
+          </a:xfrm>
+          <a:prstGeom prst="rect">
+            <a:avLst/>
+          </a:prstGeom>
+        </p:spPr>
+        <p:style>
+          <a:lnRef idx="2">
+            <a:schemeClr val="accent6">
+              <a:shade val="50000"/>
+            </a:schemeClr>
+          </a:lnRef>
+          <a:fillRef idx="1">
+            <a:schemeClr val="accent6"/>
+          </a:fillRef>
+          <a:effectRef idx="0">
+            <a:schemeClr val="accent6"/>
+          </a:effectRef>
+          <a:fontRef idx="minor">
+            <a:schemeClr val="lt1"/>
+          </a:fontRef>
+        </p:style>
+        <p:txBody>
+          <a:bodyPr rtlCol="0" anchor="ctr"/>
+          <a:lstStyle/>
+          <a:p>
+            <a:pPr algn="ctr"/>
+            <a:r>
+              <a:rPr lang="en-US" altLang="ko-KR" dirty="0" smtClean="0"/>
+              <a:t>State </a:t>
+            </a:r>
+            <a:r>
+              <a:rPr lang="ko-KR" altLang="en-US" dirty="0" smtClean="0"/>
+              <a:t>객체</a:t>
+            </a:r>
+            <a:endParaRPr lang="ko-KR" altLang="en-US" dirty="0"/>
+          </a:p>
+        </p:txBody>
+      </p:sp>
+      <p:cxnSp>
+        <p:nvCxnSpPr>
+          <p:cNvPr id="17" name="꺾인 연결선 16"/>
+          <p:cNvCxnSpPr>
+            <a:stCxn id="14" idx="1"/>
+            <a:endCxn id="9" idx="3"/>
+          </p:cNvCxnSpPr>
+          <p:nvPr/>
+        </p:nvCxnSpPr>
+        <p:spPr>
+          <a:xfrm rot="10800000" flipH="1" flipV="1">
+            <a:off x="7810500" y="1704109"/>
+            <a:ext cx="1023504" cy="2793782"/>
+          </a:xfrm>
+          <a:prstGeom prst="bentConnector5">
+            <a:avLst>
+              <a:gd name="adj1" fmla="val -22335"/>
+              <a:gd name="adj2" fmla="val 53068"/>
+              <a:gd name="adj3" fmla="val 122335"/>
+            </a:avLst>
+          </a:prstGeom>
+          <a:ln w="57150">
+            <a:tailEnd type="triangle"/>
+          </a:ln>
+        </p:spPr>
+        <p:style>
+          <a:lnRef idx="3">
+            <a:schemeClr val="accent2"/>
+          </a:lnRef>
+          <a:fillRef idx="0">
+            <a:schemeClr val="accent2"/>
+          </a:fillRef>
+          <a:effectRef idx="2">
+            <a:schemeClr val="accent2"/>
+          </a:effectRef>
+          <a:fontRef idx="minor">
+            <a:schemeClr val="tx1"/>
+          </a:fontRef>
+        </p:style>
+      </p:cxnSp>
+      <p:cxnSp>
+        <p:nvCxnSpPr>
+          <p:cNvPr id="20" name="꺾인 연결선 19"/>
+          <p:cNvCxnSpPr>
+            <a:stCxn id="7" idx="2"/>
+            <a:endCxn id="14" idx="3"/>
+          </p:cNvCxnSpPr>
+          <p:nvPr/>
+        </p:nvCxnSpPr>
+        <p:spPr>
+          <a:xfrm rot="5400000" flipH="1" flipV="1">
+            <a:off x="6870808" y="2643800"/>
+            <a:ext cx="3926392" cy="2047009"/>
+          </a:xfrm>
+          <a:prstGeom prst="bentConnector4">
+            <a:avLst>
+              <a:gd name="adj1" fmla="val -5822"/>
+              <a:gd name="adj2" fmla="val 111168"/>
+            </a:avLst>
+          </a:prstGeom>
+          <a:ln w="57150">
+            <a:tailEnd type="triangle"/>
+          </a:ln>
+        </p:spPr>
+        <p:style>
+          <a:lnRef idx="3">
+            <a:schemeClr val="accent2"/>
+          </a:lnRef>
+          <a:fillRef idx="0">
+            <a:schemeClr val="accent2"/>
+          </a:fillRef>
+          <a:effectRef idx="2">
+            <a:schemeClr val="accent2"/>
+          </a:effectRef>
+          <a:fontRef idx="minor">
+            <a:schemeClr val="tx1"/>
+          </a:fontRef>
+        </p:style>
+      </p:cxnSp>
+      <p:sp>
+        <p:nvSpPr>
+          <p:cNvPr id="23" name="TextBox 22"/>
+          <p:cNvSpPr txBox="1"/>
+          <p:nvPr/>
+        </p:nvSpPr>
+        <p:spPr>
+          <a:xfrm>
+            <a:off x="10165233" y="4567802"/>
+            <a:ext cx="1182311" cy="369332"/>
+          </a:xfrm>
+          <a:prstGeom prst="rect">
+            <a:avLst/>
+          </a:prstGeom>
+          <a:noFill/>
+        </p:spPr>
+        <p:txBody>
+          <a:bodyPr wrap="none" rtlCol="0">
+            <a:spAutoFit/>
+          </a:bodyPr>
+          <a:lstStyle/>
+          <a:p>
+            <a:r>
+              <a:rPr lang="en-US" altLang="ko-KR" dirty="0" smtClean="0"/>
+              <a:t>Return </a:t>
+            </a:r>
+            <a:r>
+              <a:rPr lang="ko-KR" altLang="en-US" dirty="0" smtClean="0"/>
+              <a:t>값</a:t>
+            </a:r>
+            <a:endParaRPr lang="ko-KR" altLang="en-US" dirty="0"/>
+          </a:p>
+        </p:txBody>
+      </p:sp>
+      <p:sp>
+        <p:nvSpPr>
+          <p:cNvPr id="15" name="직사각형 14"/>
+          <p:cNvSpPr/>
+          <p:nvPr/>
+        </p:nvSpPr>
+        <p:spPr>
+          <a:xfrm>
+            <a:off x="356055" y="2239143"/>
+            <a:ext cx="2774372" cy="1849582"/>
+          </a:xfrm>
+          <a:prstGeom prst="rect">
+            <a:avLst/>
+          </a:prstGeom>
+        </p:spPr>
+        <p:style>
+          <a:lnRef idx="2">
+            <a:schemeClr val="accent1">
+              <a:shade val="50000"/>
+            </a:schemeClr>
+          </a:lnRef>
+          <a:fillRef idx="1">
+            <a:schemeClr val="accent1"/>
+          </a:fillRef>
+          <a:effectRef idx="0">
+            <a:schemeClr val="accent1"/>
+          </a:effectRef>
+          <a:fontRef idx="minor">
+            <a:schemeClr val="lt1"/>
+          </a:fontRef>
+        </p:style>
+        <p:txBody>
+          <a:bodyPr rtlCol="0" anchor="t"/>
+          <a:lstStyle/>
+          <a:p>
+            <a:pPr algn="ctr"/>
+            <a:r>
+              <a:rPr lang="en-US" altLang="ko-KR" dirty="0" err="1" smtClean="0"/>
+              <a:t>Thunk</a:t>
+            </a:r>
+            <a:endParaRPr lang="ko-KR" altLang="en-US" dirty="0"/>
+          </a:p>
+        </p:txBody>
+      </p:sp>
+      <p:sp>
+        <p:nvSpPr>
+          <p:cNvPr id="18" name="직사각형 17"/>
+          <p:cNvSpPr/>
+          <p:nvPr/>
+        </p:nvSpPr>
+        <p:spPr>
+          <a:xfrm>
+            <a:off x="723199" y="2987289"/>
+            <a:ext cx="2047009" cy="852054"/>
+          </a:xfrm>
+          <a:prstGeom prst="rect">
+            <a:avLst/>
+          </a:prstGeom>
+        </p:spPr>
+        <p:style>
+          <a:lnRef idx="2">
+            <a:schemeClr val="accent6">
+              <a:shade val="50000"/>
+            </a:schemeClr>
+          </a:lnRef>
+          <a:fillRef idx="1">
+            <a:schemeClr val="accent6"/>
+          </a:fillRef>
+          <a:effectRef idx="0">
+            <a:schemeClr val="accent6"/>
+          </a:effectRef>
+          <a:fontRef idx="minor">
+            <a:schemeClr val="lt1"/>
+          </a:fontRef>
+        </p:style>
+        <p:txBody>
+          <a:bodyPr rtlCol="0" anchor="ctr"/>
+          <a:lstStyle/>
+          <a:p>
+            <a:pPr algn="ctr"/>
+            <a:r>
+              <a:rPr lang="en-US" altLang="ko-KR" dirty="0" smtClean="0"/>
+              <a:t>Action</a:t>
+            </a:r>
+            <a:endParaRPr lang="ko-KR" altLang="en-US" dirty="0"/>
+          </a:p>
+        </p:txBody>
+      </p:sp>
+      <p:cxnSp>
+        <p:nvCxnSpPr>
+          <p:cNvPr id="16" name="꺾인 연결선 15"/>
+          <p:cNvCxnSpPr>
+            <a:stCxn id="4" idx="1"/>
+            <a:endCxn id="18" idx="1"/>
+          </p:cNvCxnSpPr>
+          <p:nvPr/>
+        </p:nvCxnSpPr>
+        <p:spPr>
+          <a:xfrm rot="10800000" flipV="1">
+            <a:off x="723199" y="1704108"/>
+            <a:ext cx="3422774" cy="1709207"/>
+          </a:xfrm>
+          <a:prstGeom prst="bentConnector3">
+            <a:avLst>
+              <a:gd name="adj1" fmla="val 106679"/>
+            </a:avLst>
+          </a:prstGeom>
+          <a:ln w="57150">
+            <a:tailEnd type="triangle"/>
+          </a:ln>
+        </p:spPr>
+        <p:style>
+          <a:lnRef idx="3">
+            <a:schemeClr val="accent2"/>
+          </a:lnRef>
+          <a:fillRef idx="0">
+            <a:schemeClr val="accent2"/>
+          </a:fillRef>
+          <a:effectRef idx="2">
+            <a:schemeClr val="accent2"/>
+          </a:effectRef>
+          <a:fontRef idx="minor">
+            <a:schemeClr val="tx1"/>
+          </a:fontRef>
+        </p:style>
+      </p:cxnSp>
+      <p:sp>
+        <p:nvSpPr>
+          <p:cNvPr id="25" name="다이아몬드 24"/>
+          <p:cNvSpPr/>
+          <p:nvPr/>
+        </p:nvSpPr>
+        <p:spPr>
+          <a:xfrm>
+            <a:off x="465031" y="4799129"/>
+            <a:ext cx="2407566" cy="1582162"/>
+          </a:xfrm>
+          <a:prstGeom prst="diamond">
+            <a:avLst/>
+          </a:prstGeom>
+        </p:spPr>
+        <p:style>
+          <a:lnRef idx="2">
+            <a:schemeClr val="accent1">
+              <a:shade val="50000"/>
+            </a:schemeClr>
+          </a:lnRef>
+          <a:fillRef idx="1">
+            <a:schemeClr val="accent1"/>
+          </a:fillRef>
+          <a:effectRef idx="0">
+            <a:schemeClr val="accent1"/>
+          </a:effectRef>
+          <a:fontRef idx="minor">
+            <a:schemeClr val="lt1"/>
+          </a:fontRef>
+        </p:style>
+        <p:txBody>
+          <a:bodyPr rtlCol="0" anchor="ctr"/>
+          <a:lstStyle/>
+          <a:p>
+            <a:pPr algn="ctr"/>
+            <a:r>
+              <a:rPr lang="en-US" altLang="ko-KR" dirty="0" smtClean="0"/>
+              <a:t>Action</a:t>
+            </a:r>
+            <a:r>
+              <a:rPr lang="ko-KR" altLang="en-US" dirty="0" smtClean="0"/>
+              <a:t>이 함수인가</a:t>
+            </a:r>
+            <a:r>
+              <a:rPr lang="en-US" altLang="ko-KR" dirty="0" smtClean="0"/>
+              <a:t>?</a:t>
+            </a:r>
+            <a:endParaRPr lang="ko-KR" altLang="en-US" dirty="0"/>
+          </a:p>
+        </p:txBody>
+      </p:sp>
+      <p:cxnSp>
+        <p:nvCxnSpPr>
+          <p:cNvPr id="26" name="꺾인 연결선 25"/>
+          <p:cNvCxnSpPr>
+            <a:stCxn id="15" idx="3"/>
+            <a:endCxn id="25" idx="1"/>
+          </p:cNvCxnSpPr>
+          <p:nvPr/>
+        </p:nvCxnSpPr>
+        <p:spPr>
+          <a:xfrm flipH="1">
+            <a:off x="465031" y="3163934"/>
+            <a:ext cx="2665396" cy="2426276"/>
+          </a:xfrm>
+          <a:prstGeom prst="bentConnector5">
+            <a:avLst>
+              <a:gd name="adj1" fmla="val -8577"/>
+              <a:gd name="adj2" fmla="val 52755"/>
+              <a:gd name="adj3" fmla="val 108577"/>
+            </a:avLst>
+          </a:prstGeom>
+          <a:ln w="57150">
+            <a:tailEnd type="triangle"/>
+          </a:ln>
+        </p:spPr>
+        <p:style>
+          <a:lnRef idx="3">
+            <a:schemeClr val="accent2"/>
+          </a:lnRef>
+          <a:fillRef idx="0">
+            <a:schemeClr val="accent2"/>
+          </a:fillRef>
+          <a:effectRef idx="2">
+            <a:schemeClr val="accent2"/>
+          </a:effectRef>
+          <a:fontRef idx="minor">
+            <a:schemeClr val="tx1"/>
+          </a:fontRef>
+        </p:style>
+      </p:cxnSp>
+      <p:cxnSp>
+        <p:nvCxnSpPr>
+          <p:cNvPr id="32" name="꺾인 연결선 31"/>
+          <p:cNvCxnSpPr>
+            <a:stCxn id="25" idx="3"/>
+            <a:endCxn id="35" idx="1"/>
+          </p:cNvCxnSpPr>
+          <p:nvPr/>
+        </p:nvCxnSpPr>
+        <p:spPr>
+          <a:xfrm flipV="1">
+            <a:off x="2872597" y="3765969"/>
+            <a:ext cx="1482771" cy="1824241"/>
+          </a:xfrm>
+          <a:prstGeom prst="bentConnector3">
+            <a:avLst>
+              <a:gd name="adj1" fmla="val 50000"/>
+            </a:avLst>
+          </a:prstGeom>
+          <a:ln w="57150">
+            <a:tailEnd type="triangle"/>
+          </a:ln>
+        </p:spPr>
+        <p:style>
+          <a:lnRef idx="3">
+            <a:schemeClr val="accent2"/>
+          </a:lnRef>
+          <a:fillRef idx="0">
+            <a:schemeClr val="accent2"/>
+          </a:fillRef>
+          <a:effectRef idx="2">
+            <a:schemeClr val="accent2"/>
+          </a:effectRef>
+          <a:fontRef idx="minor">
+            <a:schemeClr val="tx1"/>
+          </a:fontRef>
+        </p:style>
+      </p:cxnSp>
+      <p:sp>
+        <p:nvSpPr>
+          <p:cNvPr id="35" name="직사각형 34"/>
+          <p:cNvSpPr/>
+          <p:nvPr/>
+        </p:nvSpPr>
+        <p:spPr>
+          <a:xfrm>
+            <a:off x="4355368" y="3288624"/>
+            <a:ext cx="1628219" cy="954689"/>
+          </a:xfrm>
+          <a:prstGeom prst="rect">
+            <a:avLst/>
+          </a:prstGeom>
+        </p:spPr>
+        <p:style>
+          <a:lnRef idx="2">
+            <a:schemeClr val="accent1">
+              <a:shade val="50000"/>
+            </a:schemeClr>
+          </a:lnRef>
+          <a:fillRef idx="1">
+            <a:schemeClr val="accent1"/>
+          </a:fillRef>
+          <a:effectRef idx="0">
+            <a:schemeClr val="accent1"/>
+          </a:effectRef>
+          <a:fontRef idx="minor">
+            <a:schemeClr val="lt1"/>
+          </a:fontRef>
+        </p:style>
+        <p:txBody>
+          <a:bodyPr rtlCol="0" anchor="t"/>
+          <a:lstStyle/>
+          <a:p>
+            <a:pPr algn="ctr"/>
+            <a:r>
+              <a:rPr lang="en-US" altLang="ko-KR" dirty="0" smtClean="0"/>
+              <a:t>Action </a:t>
+            </a:r>
+            <a:r>
+              <a:rPr lang="ko-KR" altLang="en-US" dirty="0" smtClean="0"/>
+              <a:t>함수</a:t>
+            </a:r>
+            <a:endParaRPr lang="ko-KR" altLang="en-US" dirty="0"/>
+          </a:p>
+        </p:txBody>
+      </p:sp>
+      <p:cxnSp>
+        <p:nvCxnSpPr>
+          <p:cNvPr id="40" name="꺾인 연결선 39"/>
+          <p:cNvCxnSpPr>
+            <a:stCxn id="35" idx="0"/>
+            <a:endCxn id="3" idx="2"/>
+          </p:cNvCxnSpPr>
+          <p:nvPr/>
+        </p:nvCxnSpPr>
+        <p:spPr>
+          <a:xfrm rot="16200000" flipV="1">
+            <a:off x="4713194" y="2832339"/>
+            <a:ext cx="909106" cy="3463"/>
+          </a:xfrm>
+          <a:prstGeom prst="bentConnector3">
+            <a:avLst>
+              <a:gd name="adj1" fmla="val 50000"/>
+            </a:avLst>
+          </a:prstGeom>
+          <a:ln w="57150">
+            <a:tailEnd type="triangle"/>
+          </a:ln>
+        </p:spPr>
+        <p:style>
+          <a:lnRef idx="3">
+            <a:schemeClr val="accent2"/>
+          </a:lnRef>
+          <a:fillRef idx="0">
+            <a:schemeClr val="accent2"/>
+          </a:fillRef>
+          <a:effectRef idx="2">
+            <a:schemeClr val="accent2"/>
+          </a:effectRef>
+          <a:fontRef idx="minor">
+            <a:schemeClr val="tx1"/>
+          </a:fontRef>
+        </p:style>
+      </p:cxnSp>
+      <p:sp>
+        <p:nvSpPr>
+          <p:cNvPr id="47" name="TextBox 46"/>
+          <p:cNvSpPr txBox="1"/>
+          <p:nvPr/>
+        </p:nvSpPr>
+        <p:spPr>
+          <a:xfrm>
+            <a:off x="3610914" y="4518537"/>
+            <a:ext cx="515462" cy="369332"/>
+          </a:xfrm>
+          <a:prstGeom prst="rect">
+            <a:avLst/>
+          </a:prstGeom>
+          <a:noFill/>
+        </p:spPr>
+        <p:txBody>
+          <a:bodyPr wrap="none" rtlCol="0">
+            <a:spAutoFit/>
+          </a:bodyPr>
+          <a:lstStyle/>
+          <a:p>
+            <a:r>
+              <a:rPr lang="en-US" altLang="ko-KR" dirty="0" smtClean="0"/>
+              <a:t>Yes</a:t>
+            </a:r>
+            <a:endParaRPr lang="ko-KR" altLang="en-US" dirty="0"/>
+          </a:p>
+        </p:txBody>
+      </p:sp>
+      <p:cxnSp>
+        <p:nvCxnSpPr>
+          <p:cNvPr id="48" name="꺾인 연결선 47"/>
+          <p:cNvCxnSpPr>
+            <a:stCxn id="25" idx="2"/>
+            <a:endCxn id="8" idx="1"/>
+          </p:cNvCxnSpPr>
+          <p:nvPr/>
+        </p:nvCxnSpPr>
+        <p:spPr>
+          <a:xfrm rot="5400000" flipH="1" flipV="1">
+            <a:off x="3602261" y="3193094"/>
+            <a:ext cx="1254750" cy="5121644"/>
+          </a:xfrm>
+          <a:prstGeom prst="bentConnector4">
+            <a:avLst>
+              <a:gd name="adj1" fmla="val -18219"/>
+              <a:gd name="adj2" fmla="val 61752"/>
+            </a:avLst>
+          </a:prstGeom>
+          <a:ln w="57150">
+            <a:tailEnd type="triangle"/>
+          </a:ln>
+        </p:spPr>
+        <p:style>
+          <a:lnRef idx="3">
+            <a:schemeClr val="accent2"/>
+          </a:lnRef>
+          <a:fillRef idx="0">
+            <a:schemeClr val="accent2"/>
+          </a:fillRef>
+          <a:effectRef idx="2">
+            <a:schemeClr val="accent2"/>
+          </a:effectRef>
+          <a:fontRef idx="minor">
+            <a:schemeClr val="tx1"/>
+          </a:fontRef>
+        </p:style>
+      </p:cxnSp>
+      <p:sp>
+        <p:nvSpPr>
+          <p:cNvPr id="51" name="TextBox 50"/>
+          <p:cNvSpPr txBox="1"/>
+          <p:nvPr/>
+        </p:nvSpPr>
+        <p:spPr>
+          <a:xfrm>
+            <a:off x="4366533" y="5548290"/>
+            <a:ext cx="498855" cy="369332"/>
+          </a:xfrm>
+          <a:prstGeom prst="rect">
+            <a:avLst/>
+          </a:prstGeom>
+          <a:noFill/>
+        </p:spPr>
+        <p:txBody>
+          <a:bodyPr wrap="none" rtlCol="0">
+            <a:spAutoFit/>
+          </a:bodyPr>
+          <a:lstStyle/>
+          <a:p>
+            <a:r>
+              <a:rPr lang="en-US" altLang="ko-KR" dirty="0" smtClean="0"/>
+              <a:t>No</a:t>
+            </a:r>
+            <a:endParaRPr lang="ko-KR" altLang="en-US" dirty="0"/>
+          </a:p>
+        </p:txBody>
+      </p:sp>
+    </p:spTree>
+    <p:extLst>
+      <p:ext uri="{BB962C8B-B14F-4D97-AF65-F5344CB8AC3E}">
+        <p14:creationId xmlns:p14="http://schemas.microsoft.com/office/powerpoint/2010/main" val="1364510676"/>
+      </p:ext>
+    </p:extLst>
+  </p:cSld>
+  <p:clrMapOvr>
+    <a:masterClrMapping/>
+  </p:clrMapOvr>
+</p:sld>
+</file>
+
 <file path=ppt/theme/theme1.xml><?xml version="1.0" encoding="utf-8"?>
 <a:theme xmlns:a="http://schemas.openxmlformats.org/drawingml/2006/main" name="Office 테마">
   <a:themeElements>
